--- a/pch_Mission04_codereview.pptx
+++ b/pch_Mission04_codereview.pptx
@@ -245,7 +245,7 @@
           <a:p>
             <a:fld id="{D92FA0C3-903F-4DD4-9420-CFFA3F5C6C77}" type="datetimeFigureOut">
               <a:rPr lang="ko-KR" altLang="en-US" smtClean="0"/>
-              <a:t>2022-11-24</a:t>
+              <a:t>2022-11-25</a:t>
             </a:fld>
             <a:endParaRPr lang="ko-KR" altLang="en-US"/>
           </a:p>
@@ -415,7 +415,7 @@
           <a:p>
             <a:fld id="{D92FA0C3-903F-4DD4-9420-CFFA3F5C6C77}" type="datetimeFigureOut">
               <a:rPr lang="ko-KR" altLang="en-US" smtClean="0"/>
-              <a:t>2022-11-24</a:t>
+              <a:t>2022-11-25</a:t>
             </a:fld>
             <a:endParaRPr lang="ko-KR" altLang="en-US"/>
           </a:p>
@@ -595,7 +595,7 @@
           <a:p>
             <a:fld id="{D92FA0C3-903F-4DD4-9420-CFFA3F5C6C77}" type="datetimeFigureOut">
               <a:rPr lang="ko-KR" altLang="en-US" smtClean="0"/>
-              <a:t>2022-11-24</a:t>
+              <a:t>2022-11-25</a:t>
             </a:fld>
             <a:endParaRPr lang="ko-KR" altLang="en-US"/>
           </a:p>
@@ -765,7 +765,7 @@
           <a:p>
             <a:fld id="{D92FA0C3-903F-4DD4-9420-CFFA3F5C6C77}" type="datetimeFigureOut">
               <a:rPr lang="ko-KR" altLang="en-US" smtClean="0"/>
-              <a:t>2022-11-24</a:t>
+              <a:t>2022-11-25</a:t>
             </a:fld>
             <a:endParaRPr lang="ko-KR" altLang="en-US"/>
           </a:p>
@@ -1011,7 +1011,7 @@
           <a:p>
             <a:fld id="{D92FA0C3-903F-4DD4-9420-CFFA3F5C6C77}" type="datetimeFigureOut">
               <a:rPr lang="ko-KR" altLang="en-US" smtClean="0"/>
-              <a:t>2022-11-24</a:t>
+              <a:t>2022-11-25</a:t>
             </a:fld>
             <a:endParaRPr lang="ko-KR" altLang="en-US"/>
           </a:p>
@@ -1243,7 +1243,7 @@
           <a:p>
             <a:fld id="{D92FA0C3-903F-4DD4-9420-CFFA3F5C6C77}" type="datetimeFigureOut">
               <a:rPr lang="ko-KR" altLang="en-US" smtClean="0"/>
-              <a:t>2022-11-24</a:t>
+              <a:t>2022-11-25</a:t>
             </a:fld>
             <a:endParaRPr lang="ko-KR" altLang="en-US"/>
           </a:p>
@@ -1610,7 +1610,7 @@
           <a:p>
             <a:fld id="{D92FA0C3-903F-4DD4-9420-CFFA3F5C6C77}" type="datetimeFigureOut">
               <a:rPr lang="ko-KR" altLang="en-US" smtClean="0"/>
-              <a:t>2022-11-24</a:t>
+              <a:t>2022-11-25</a:t>
             </a:fld>
             <a:endParaRPr lang="ko-KR" altLang="en-US"/>
           </a:p>
@@ -1728,7 +1728,7 @@
           <a:p>
             <a:fld id="{D92FA0C3-903F-4DD4-9420-CFFA3F5C6C77}" type="datetimeFigureOut">
               <a:rPr lang="ko-KR" altLang="en-US" smtClean="0"/>
-              <a:t>2022-11-24</a:t>
+              <a:t>2022-11-25</a:t>
             </a:fld>
             <a:endParaRPr lang="ko-KR" altLang="en-US"/>
           </a:p>
@@ -1823,7 +1823,7 @@
           <a:p>
             <a:fld id="{D92FA0C3-903F-4DD4-9420-CFFA3F5C6C77}" type="datetimeFigureOut">
               <a:rPr lang="ko-KR" altLang="en-US" smtClean="0"/>
-              <a:t>2022-11-24</a:t>
+              <a:t>2022-11-25</a:t>
             </a:fld>
             <a:endParaRPr lang="ko-KR" altLang="en-US"/>
           </a:p>
@@ -2100,7 +2100,7 @@
           <a:p>
             <a:fld id="{D92FA0C3-903F-4DD4-9420-CFFA3F5C6C77}" type="datetimeFigureOut">
               <a:rPr lang="ko-KR" altLang="en-US" smtClean="0"/>
-              <a:t>2022-11-24</a:t>
+              <a:t>2022-11-25</a:t>
             </a:fld>
             <a:endParaRPr lang="ko-KR" altLang="en-US"/>
           </a:p>
@@ -2353,7 +2353,7 @@
           <a:p>
             <a:fld id="{D92FA0C3-903F-4DD4-9420-CFFA3F5C6C77}" type="datetimeFigureOut">
               <a:rPr lang="ko-KR" altLang="en-US" smtClean="0"/>
-              <a:t>2022-11-24</a:t>
+              <a:t>2022-11-25</a:t>
             </a:fld>
             <a:endParaRPr lang="ko-KR" altLang="en-US"/>
           </a:p>
@@ -2566,7 +2566,7 @@
           <a:p>
             <a:fld id="{D92FA0C3-903F-4DD4-9420-CFFA3F5C6C77}" type="datetimeFigureOut">
               <a:rPr lang="ko-KR" altLang="en-US" smtClean="0"/>
-              <a:t>2022-11-24</a:t>
+              <a:t>2022-11-25</a:t>
             </a:fld>
             <a:endParaRPr lang="ko-KR" altLang="en-US"/>
           </a:p>
@@ -4718,8 +4718,10 @@
               </a:rPr>
               <a:t>: </a:t>
             </a:r>
-            <a:r>
-              <a:rPr lang="en-US" altLang="ko-KR" b="1" dirty="0" err="1" smtClean="0">
+          </a:p>
+          <a:p>
+            <a:r>
+              <a:rPr lang="ko-KR" altLang="en-US" b="1" dirty="0" smtClean="0">
                 <a:ln w="0"/>
                 <a:solidFill>
                   <a:schemeClr val="tx1"/>
@@ -4732,7 +4734,7 @@
                   </a:outerShdw>
                 </a:effectLst>
               </a:rPr>
-              <a:t>getElementByid</a:t>
+              <a:t>활용 메서드 </a:t>
             </a:r>
             <a:r>
               <a:rPr lang="en-US" altLang="ko-KR" b="1" dirty="0" smtClean="0">
@@ -4748,10 +4750,10 @@
                   </a:outerShdw>
                 </a:effectLst>
               </a:rPr>
-              <a:t>(), </a:t>
-            </a:r>
-            <a:r>
-              <a:rPr lang="en-US" altLang="ko-KR" b="1" dirty="0" err="1" smtClean="0">
+              <a:t>: </a:t>
+            </a:r>
+            <a:r>
+              <a:rPr lang="en-US" altLang="ko-KR" b="1" dirty="0" err="1">
                 <a:ln w="0"/>
                 <a:solidFill>
                   <a:schemeClr val="tx1"/>
@@ -4764,10 +4766,10 @@
                   </a:outerShdw>
                 </a:effectLst>
               </a:rPr>
-              <a:t>url</a:t>
-            </a:r>
-            <a:r>
-              <a:rPr lang="en-US" altLang="ko-KR" b="1" dirty="0" smtClean="0">
+              <a:t>getElementByid</a:t>
+            </a:r>
+            <a:r>
+              <a:rPr lang="en-US" altLang="ko-KR" b="1" dirty="0">
                 <a:ln w="0"/>
                 <a:solidFill>
                   <a:schemeClr val="tx1"/>
@@ -4782,43 +4784,6 @@
               </a:rPr>
               <a:t>()</a:t>
             </a:r>
-          </a:p>
-          <a:p>
-            <a:r>
-              <a:rPr lang="ko-KR" altLang="en-US" b="1" dirty="0" smtClean="0">
-                <a:ln w="0"/>
-                <a:solidFill>
-                  <a:schemeClr val="tx1"/>
-                </a:solidFill>
-                <a:effectLst>
-                  <a:outerShdw blurRad="38100" dist="19050" dir="2700000" algn="tl" rotWithShape="0">
-                    <a:schemeClr val="dk1">
-                      <a:alpha val="40000"/>
-                    </a:schemeClr>
-                  </a:outerShdw>
-                </a:effectLst>
-              </a:rPr>
-              <a:t>활용 메서드 </a:t>
-            </a:r>
-            <a:r>
-              <a:rPr lang="en-US" altLang="ko-KR" b="1" dirty="0" smtClean="0">
-                <a:ln w="0"/>
-                <a:solidFill>
-                  <a:schemeClr val="tx1"/>
-                </a:solidFill>
-                <a:effectLst>
-                  <a:outerShdw blurRad="38100" dist="19050" dir="2700000" algn="tl" rotWithShape="0">
-                    <a:schemeClr val="dk1">
-                      <a:alpha val="40000"/>
-                    </a:schemeClr>
-                  </a:outerShdw>
-                </a:effectLst>
-              </a:rPr>
-              <a:t>: font-family, background</a:t>
-            </a:r>
-          </a:p>
-          <a:p>
-            <a:pPr algn="ctr"/>
             <a:endParaRPr lang="ko-KR" altLang="en-US" b="1" dirty="0">
               <a:ln w="0"/>
               <a:solidFill>
@@ -4928,10 +4893,10 @@
                   </a:outerShdw>
                 </a:effectLst>
               </a:rPr>
-              <a:t>를 이용하여 내가 원하는 곳에 </a:t>
-            </a:r>
-            <a:r>
-              <a:rPr lang="ko-KR" altLang="en-US" sz="1400" b="1" dirty="0" err="1" smtClean="0">
+              <a:t>를 이용하여 </a:t>
+            </a:r>
+            <a:r>
+              <a:rPr lang="ko-KR" altLang="en-US" sz="1400" b="1" dirty="0" smtClean="0">
                 <a:ln w="0"/>
                 <a:solidFill>
                   <a:schemeClr val="tx1"/>
@@ -4944,7 +4909,7 @@
                   </a:outerShdw>
                 </a:effectLst>
               </a:rPr>
-              <a:t>마커를</a:t>
+              <a:t>제가 </a:t>
             </a:r>
             <a:r>
               <a:rPr lang="ko-KR" altLang="en-US" sz="1400" b="1" dirty="0" smtClean="0">
@@ -4960,10 +4925,10 @@
                   </a:outerShdw>
                 </a:effectLst>
               </a:rPr>
-              <a:t> 표시합니다</a:t>
-            </a:r>
-            <a:r>
-              <a:rPr lang="en-US" altLang="ko-KR" sz="1400" b="1" dirty="0" smtClean="0">
+              <a:t>원하는 곳에 </a:t>
+            </a:r>
+            <a:r>
+              <a:rPr lang="ko-KR" altLang="en-US" sz="1400" b="1" dirty="0" err="1" smtClean="0">
                 <a:ln w="0"/>
                 <a:solidFill>
                   <a:schemeClr val="tx1"/>
@@ -4976,11 +4941,8 @@
                   </a:outerShdw>
                 </a:effectLst>
               </a:rPr>
-              <a:t>.</a:t>
-            </a:r>
-          </a:p>
-          <a:p>
-            <a:pPr algn="ctr"/>
+              <a:t>마커를</a:t>
+            </a:r>
             <a:r>
               <a:rPr lang="ko-KR" altLang="en-US" sz="1400" b="1" dirty="0" smtClean="0">
                 <a:ln w="0"/>
@@ -4995,7 +4957,7 @@
                   </a:outerShdw>
                 </a:effectLst>
               </a:rPr>
-              <a:t>구글 폰트와 </a:t>
+              <a:t> 표시합니다</a:t>
             </a:r>
             <a:r>
               <a:rPr lang="en-US" altLang="ko-KR" sz="1400" b="1" dirty="0" smtClean="0">
@@ -5011,8 +4973,11 @@
                   </a:outerShdw>
                 </a:effectLst>
               </a:rPr>
-              <a:t>Font-family</a:t>
-            </a:r>
+              <a:t>.</a:t>
+            </a:r>
+          </a:p>
+          <a:p>
+            <a:pPr algn="ctr"/>
             <a:r>
               <a:rPr lang="ko-KR" altLang="en-US" sz="1400" b="1" dirty="0" smtClean="0">
                 <a:ln w="0"/>
@@ -5027,7 +4992,7 @@
                   </a:outerShdw>
                 </a:effectLst>
               </a:rPr>
-              <a:t>를 적용하여 글꼴을 교체합니다</a:t>
+              <a:t>구글 폰트와 </a:t>
             </a:r>
             <a:r>
               <a:rPr lang="en-US" altLang="ko-KR" sz="1400" b="1" dirty="0" smtClean="0">
@@ -5043,11 +5008,8 @@
                   </a:outerShdw>
                 </a:effectLst>
               </a:rPr>
-              <a:t>.</a:t>
-            </a:r>
-          </a:p>
-          <a:p>
-            <a:pPr algn="ctr"/>
+              <a:t>Font-family</a:t>
+            </a:r>
             <a:r>
               <a:rPr lang="ko-KR" altLang="en-US" sz="1400" b="1" dirty="0" smtClean="0">
                 <a:ln w="0"/>
@@ -5062,7 +5024,7 @@
                   </a:outerShdw>
                 </a:effectLst>
               </a:rPr>
-              <a:t>원하는 부분만 </a:t>
+              <a:t>를 적용하여 글꼴을 교체합니다</a:t>
             </a:r>
             <a:r>
               <a:rPr lang="en-US" altLang="ko-KR" sz="1400" b="1" dirty="0" smtClean="0">
@@ -5078,8 +5040,11 @@
                   </a:outerShdw>
                 </a:effectLst>
               </a:rPr>
-              <a:t>hover</a:t>
-            </a:r>
+              <a:t>.</a:t>
+            </a:r>
+          </a:p>
+          <a:p>
+            <a:pPr algn="ctr"/>
             <a:r>
               <a:rPr lang="ko-KR" altLang="en-US" sz="1400" b="1" dirty="0" smtClean="0">
                 <a:ln w="0"/>
@@ -5094,7 +5059,55 @@
                   </a:outerShdw>
                 </a:effectLst>
               </a:rPr>
-              <a:t>를 적용하기 위해 </a:t>
+              <a:t>원하는 부분만 </a:t>
+            </a:r>
+            <a:r>
+              <a:rPr lang="en-US" altLang="ko-KR" sz="1400" b="1" dirty="0" smtClean="0">
+                <a:ln w="0"/>
+                <a:solidFill>
+                  <a:schemeClr val="tx1"/>
+                </a:solidFill>
+                <a:effectLst>
+                  <a:outerShdw blurRad="38100" dist="19050" dir="2700000" algn="tl" rotWithShape="0">
+                    <a:schemeClr val="dk1">
+                      <a:alpha val="40000"/>
+                    </a:schemeClr>
+                  </a:outerShdw>
+                </a:effectLst>
+              </a:rPr>
+              <a:t>hover()</a:t>
+            </a:r>
+            <a:r>
+              <a:rPr lang="ko-KR" altLang="en-US" sz="1400" b="1" dirty="0" smtClean="0">
+                <a:ln w="0"/>
+                <a:solidFill>
+                  <a:schemeClr val="tx1"/>
+                </a:solidFill>
+                <a:effectLst>
+                  <a:outerShdw blurRad="38100" dist="19050" dir="2700000" algn="tl" rotWithShape="0">
+                    <a:schemeClr val="dk1">
+                      <a:alpha val="40000"/>
+                    </a:schemeClr>
+                  </a:outerShdw>
+                </a:effectLst>
+              </a:rPr>
+              <a:t>를 </a:t>
+            </a:r>
+            <a:r>
+              <a:rPr lang="ko-KR" altLang="en-US" sz="1400" b="1" dirty="0" smtClean="0">
+                <a:ln w="0"/>
+                <a:solidFill>
+                  <a:schemeClr val="tx1"/>
+                </a:solidFill>
+                <a:effectLst>
+                  <a:outerShdw blurRad="38100" dist="19050" dir="2700000" algn="tl" rotWithShape="0">
+                    <a:schemeClr val="dk1">
+                      <a:alpha val="40000"/>
+                    </a:schemeClr>
+                  </a:outerShdw>
+                </a:effectLst>
+              </a:rPr>
+              <a:t>적용하기 위해 </a:t>
             </a:r>
             <a:r>
               <a:rPr lang="en-US" altLang="ko-KR" sz="1400" b="1" dirty="0" err="1" smtClean="0">
@@ -5193,7 +5206,7 @@
           <a:p>
             <a:pPr algn="ctr"/>
             <a:r>
-              <a:rPr lang="ko-KR" altLang="en-US" sz="1400" b="1" smtClean="0">
+              <a:rPr lang="ko-KR" altLang="en-US" sz="1400" b="1" dirty="0" smtClean="0">
                 <a:ln w="0"/>
                 <a:solidFill>
                   <a:schemeClr val="tx1"/>
@@ -5206,23 +5219,7 @@
                   </a:outerShdw>
                 </a:effectLst>
               </a:rPr>
-              <a:t>경로를 </a:t>
-            </a:r>
-            <a:r>
-              <a:rPr lang="ko-KR" altLang="en-US" sz="1400" b="1" dirty="0" smtClean="0">
-                <a:ln w="0"/>
-                <a:solidFill>
-                  <a:schemeClr val="tx1"/>
-                </a:solidFill>
-                <a:effectLst>
-                  <a:outerShdw blurRad="38100" dist="19050" dir="2700000" algn="tl" rotWithShape="0">
-                    <a:schemeClr val="dk1">
-                      <a:alpha val="40000"/>
-                    </a:schemeClr>
-                  </a:outerShdw>
-                </a:effectLst>
-              </a:rPr>
-              <a:t>지정하여 </a:t>
+              <a:t>경로를 지정하여 </a:t>
             </a:r>
             <a:r>
               <a:rPr lang="en-US" altLang="ko-KR" sz="1400" b="1" dirty="0" smtClean="0">
